--- a/GerenciamentoBovinos/Documentação/Gerenciamento de Bovino.pptx
+++ b/GerenciamentoBovinos/Documentação/Gerenciamento de Bovino.pptx
@@ -10,9 +10,9 @@
     <p:sldId id="260" r:id="rId4"/>
     <p:sldId id="258" r:id="rId5"/>
     <p:sldId id="259" r:id="rId6"/>
-    <p:sldId id="261" r:id="rId7"/>
-    <p:sldId id="262" r:id="rId8"/>
-    <p:sldId id="264" r:id="rId9"/>
+    <p:sldId id="265" r:id="rId7"/>
+    <p:sldId id="266" r:id="rId8"/>
+    <p:sldId id="267" r:id="rId9"/>
   </p:sldIdLst>
   <p:sldSz cx="12192000" cy="6858000"/>
   <p:notesSz cx="6858000" cy="9144000"/>
@@ -111,6 +111,11 @@
       </a:defRPr>
     </a:lvl9pPr>
   </p:defaultTextStyle>
+  <p:extLst>
+    <p:ext uri="{EFAFB233-063F-42B5-8137-9DF3F51BA10A}">
+      <p15:sldGuideLst xmlns:p15="http://schemas.microsoft.com/office/powerpoint/2012/main"/>
+    </p:ext>
+  </p:extLst>
 </p:presentation>
 </file>
 
@@ -837,7 +842,7 @@
             <a:fld id="{B61BEF0D-F0BB-DE4B-95CE-6DB70DBA9567}" type="datetimeFigureOut">
               <a:rPr lang="en-US" dirty="0"/>
               <a:pPr/>
-              <a:t>8/31/2019</a:t>
+              <a:t>9/13/2019</a:t>
             </a:fld>
             <a:endParaRPr lang="en-US" dirty="0"/>
           </a:p>
@@ -1085,7 +1090,7 @@
             <a:fld id="{B61BEF0D-F0BB-DE4B-95CE-6DB70DBA9567}" type="datetimeFigureOut">
               <a:rPr lang="en-US" dirty="0"/>
               <a:pPr/>
-              <a:t>8/31/2019</a:t>
+              <a:t>9/13/2019</a:t>
             </a:fld>
             <a:endParaRPr lang="en-US" dirty="0"/>
           </a:p>
@@ -1396,7 +1401,7 @@
             <a:fld id="{B61BEF0D-F0BB-DE4B-95CE-6DB70DBA9567}" type="datetimeFigureOut">
               <a:rPr lang="en-US" dirty="0"/>
               <a:pPr/>
-              <a:t>8/31/2019</a:t>
+              <a:t>9/13/2019</a:t>
             </a:fld>
             <a:endParaRPr lang="en-US" dirty="0"/>
           </a:p>
@@ -1734,7 +1739,7 @@
             <a:fld id="{B61BEF0D-F0BB-DE4B-95CE-6DB70DBA9567}" type="datetimeFigureOut">
               <a:rPr lang="en-US" dirty="0"/>
               <a:pPr/>
-              <a:t>8/31/2019</a:t>
+              <a:t>9/13/2019</a:t>
             </a:fld>
             <a:endParaRPr lang="en-US" dirty="0"/>
           </a:p>
@@ -2045,7 +2050,7 @@
             <a:fld id="{B61BEF0D-F0BB-DE4B-95CE-6DB70DBA9567}" type="datetimeFigureOut">
               <a:rPr lang="en-US" dirty="0"/>
               <a:pPr/>
-              <a:t>8/31/2019</a:t>
+              <a:t>9/13/2019</a:t>
             </a:fld>
             <a:endParaRPr lang="en-US" dirty="0"/>
           </a:p>
@@ -2435,7 +2440,7 @@
             <a:fld id="{B61BEF0D-F0BB-DE4B-95CE-6DB70DBA9567}" type="datetimeFigureOut">
               <a:rPr lang="en-US" dirty="0"/>
               <a:pPr/>
-              <a:t>8/31/2019</a:t>
+              <a:t>9/13/2019</a:t>
             </a:fld>
             <a:endParaRPr lang="en-US" dirty="0"/>
           </a:p>
@@ -2601,7 +2606,7 @@
           <a:p>
             <a:fld id="{55C6B4A9-1611-4792-9094-5F34BCA07E0B}" type="datetimeFigureOut">
               <a:rPr lang="en-US" dirty="0"/>
-              <a:t>8/31/2019</a:t>
+              <a:t>9/13/2019</a:t>
             </a:fld>
             <a:endParaRPr lang="en-US" dirty="0"/>
           </a:p>
@@ -2777,7 +2782,7 @@
             <a:fld id="{B61BEF0D-F0BB-DE4B-95CE-6DB70DBA9567}" type="datetimeFigureOut">
               <a:rPr lang="en-US" dirty="0"/>
               <a:pPr/>
-              <a:t>8/31/2019</a:t>
+              <a:t>9/13/2019</a:t>
             </a:fld>
             <a:endParaRPr lang="en-US" dirty="0"/>
           </a:p>
@@ -2950,7 +2955,7 @@
             <a:fld id="{B61BEF0D-F0BB-DE4B-95CE-6DB70DBA9567}" type="datetimeFigureOut">
               <a:rPr lang="en-US" dirty="0"/>
               <a:pPr/>
-              <a:t>8/31/2019</a:t>
+              <a:t>9/13/2019</a:t>
             </a:fld>
             <a:endParaRPr lang="en-US" dirty="0"/>
           </a:p>
@@ -3194,7 +3199,7 @@
             <a:fld id="{B61BEF0D-F0BB-DE4B-95CE-6DB70DBA9567}" type="datetimeFigureOut">
               <a:rPr lang="en-US" dirty="0"/>
               <a:pPr/>
-              <a:t>8/31/2019</a:t>
+              <a:t>9/13/2019</a:t>
             </a:fld>
             <a:endParaRPr lang="en-US" dirty="0"/>
           </a:p>
@@ -3422,7 +3427,7 @@
           <a:p>
             <a:fld id="{EB712588-04B1-427B-82EE-E8DB90309F08}" type="datetimeFigureOut">
               <a:rPr lang="en-US" dirty="0"/>
-              <a:t>8/31/2019</a:t>
+              <a:t>9/13/2019</a:t>
             </a:fld>
             <a:endParaRPr lang="en-US" dirty="0"/>
           </a:p>
@@ -3792,7 +3797,7 @@
             <a:fld id="{B61BEF0D-F0BB-DE4B-95CE-6DB70DBA9567}" type="datetimeFigureOut">
               <a:rPr lang="en-US" dirty="0"/>
               <a:pPr/>
-              <a:t>8/31/2019</a:t>
+              <a:t>9/13/2019</a:t>
             </a:fld>
             <a:endParaRPr lang="en-US" dirty="0"/>
           </a:p>
@@ -3912,7 +3917,7 @@
             <a:fld id="{B61BEF0D-F0BB-DE4B-95CE-6DB70DBA9567}" type="datetimeFigureOut">
               <a:rPr lang="en-US" dirty="0"/>
               <a:pPr/>
-              <a:t>8/31/2019</a:t>
+              <a:t>9/13/2019</a:t>
             </a:fld>
             <a:endParaRPr lang="en-US" dirty="0"/>
           </a:p>
@@ -4004,7 +4009,7 @@
             <a:fld id="{B61BEF0D-F0BB-DE4B-95CE-6DB70DBA9567}" type="datetimeFigureOut">
               <a:rPr lang="en-US" dirty="0"/>
               <a:pPr/>
-              <a:t>8/31/2019</a:t>
+              <a:t>9/13/2019</a:t>
             </a:fld>
             <a:endParaRPr lang="en-US" dirty="0"/>
           </a:p>
@@ -4255,7 +4260,7 @@
           <a:p>
             <a:fld id="{42A54C80-263E-416B-A8E0-580EDEADCBDC}" type="datetimeFigureOut">
               <a:rPr lang="en-US" dirty="0"/>
-              <a:t>8/31/2019</a:t>
+              <a:t>9/13/2019</a:t>
             </a:fld>
             <a:endParaRPr lang="en-US" dirty="0"/>
           </a:p>
@@ -4514,7 +4519,7 @@
             <a:fld id="{B61BEF0D-F0BB-DE4B-95CE-6DB70DBA9567}" type="datetimeFigureOut">
               <a:rPr lang="en-US" dirty="0"/>
               <a:pPr/>
-              <a:t>8/31/2019</a:t>
+              <a:t>9/13/2019</a:t>
             </a:fld>
             <a:endParaRPr lang="en-US" dirty="0"/>
           </a:p>
@@ -5254,7 +5259,7 @@
             <a:fld id="{B61BEF0D-F0BB-DE4B-95CE-6DB70DBA9567}" type="datetimeFigureOut">
               <a:rPr lang="en-US" dirty="0"/>
               <a:pPr/>
-              <a:t>8/31/2019</a:t>
+              <a:t>9/13/2019</a:t>
             </a:fld>
             <a:endParaRPr lang="en-US" dirty="0"/>
           </a:p>
@@ -5779,7 +5784,7 @@
           <p:cNvPr id="2" name="Título 1">
             <a:extLst>
               <a:ext uri="{FF2B5EF4-FFF2-40B4-BE49-F238E27FC236}">
-                <a16:creationId xmlns:a16="http://schemas.microsoft.com/office/drawing/2014/main" id="{068FB9EE-9D93-4B21-A71B-034433F8211F}"/>
+                <a16:creationId xmlns:a16="http://schemas.microsoft.com/office/drawing/2014/main" xmlns="" id="{068FB9EE-9D93-4B21-A71B-034433F8211F}"/>
               </a:ext>
             </a:extLst>
           </p:cNvPr>
@@ -5808,6 +5813,10 @@
               </a:rPr>
               <a:t>Gerenciamento de Bovino</a:t>
             </a:r>
+            <a:r>
+              <a:rPr lang="pt-BR" dirty="0"/>
+              <a:t/>
+            </a:r>
             <a:br>
               <a:rPr lang="pt-BR" dirty="0"/>
             </a:br>
@@ -5820,7 +5829,7 @@
           <p:cNvPr id="3" name="Subtítulo 2">
             <a:extLst>
               <a:ext uri="{FF2B5EF4-FFF2-40B4-BE49-F238E27FC236}">
-                <a16:creationId xmlns:a16="http://schemas.microsoft.com/office/drawing/2014/main" id="{86EE8A0F-4B2B-415A-99CB-B0C8A3EC78B9}"/>
+                <a16:creationId xmlns:a16="http://schemas.microsoft.com/office/drawing/2014/main" xmlns="" id="{86EE8A0F-4B2B-415A-99CB-B0C8A3EC78B9}"/>
               </a:ext>
             </a:extLst>
           </p:cNvPr>
@@ -5877,15 +5886,22 @@
               <a:buChar char="•"/>
             </a:pPr>
             <a:r>
-              <a:rPr lang="pt-BR" sz="1600" b="1" dirty="0">
+              <a:rPr lang="pt-BR" sz="1600" b="1" dirty="0" smtClean="0">
                 <a:solidFill>
                   <a:schemeClr val="tx1"/>
                 </a:solidFill>
                 <a:latin typeface="Arial" panose="020B0604020202020204" pitchFamily="34" charset="0"/>
                 <a:cs typeface="Arial" panose="020B0604020202020204" pitchFamily="34" charset="0"/>
               </a:rPr>
-              <a:t>Carlos</a:t>
-            </a:r>
+              <a:t>Carlos Viana</a:t>
+            </a:r>
+            <a:endParaRPr lang="pt-BR" sz="1600" b="1" dirty="0">
+              <a:solidFill>
+                <a:schemeClr val="tx1"/>
+              </a:solidFill>
+              <a:latin typeface="Arial" panose="020B0604020202020204" pitchFamily="34" charset="0"/>
+              <a:cs typeface="Arial" panose="020B0604020202020204" pitchFamily="34" charset="0"/>
+            </a:endParaRPr>
           </a:p>
           <a:p>
             <a:pPr marL="285750" indent="-285750" algn="l">
@@ -5893,15 +5909,22 @@
               <a:buChar char="•"/>
             </a:pPr>
             <a:r>
-              <a:rPr lang="pt-BR" sz="1600" b="1" dirty="0">
+              <a:rPr lang="pt-BR" sz="1600" b="1" dirty="0" smtClean="0">
                 <a:solidFill>
                   <a:schemeClr val="tx1"/>
                 </a:solidFill>
                 <a:latin typeface="Arial" panose="020B0604020202020204" pitchFamily="34" charset="0"/>
                 <a:cs typeface="Arial" panose="020B0604020202020204" pitchFamily="34" charset="0"/>
               </a:rPr>
-              <a:t>Bruno</a:t>
-            </a:r>
+              <a:t>Bruno Anjos</a:t>
+            </a:r>
+            <a:endParaRPr lang="pt-BR" sz="1600" b="1" dirty="0">
+              <a:solidFill>
+                <a:schemeClr val="tx1"/>
+              </a:solidFill>
+              <a:latin typeface="Arial" panose="020B0604020202020204" pitchFamily="34" charset="0"/>
+              <a:cs typeface="Arial" panose="020B0604020202020204" pitchFamily="34" charset="0"/>
+            </a:endParaRPr>
           </a:p>
           <a:p>
             <a:pPr marL="285750" indent="-285750" algn="l">
@@ -5957,7 +5980,7 @@
           <p:cNvPr id="2" name="Título 1">
             <a:extLst>
               <a:ext uri="{FF2B5EF4-FFF2-40B4-BE49-F238E27FC236}">
-                <a16:creationId xmlns:a16="http://schemas.microsoft.com/office/drawing/2014/main" id="{10C1DF64-3C08-48A7-AAAC-685A7B684278}"/>
+                <a16:creationId xmlns:a16="http://schemas.microsoft.com/office/drawing/2014/main" xmlns="" id="{10C1DF64-3C08-48A7-AAAC-685A7B684278}"/>
               </a:ext>
             </a:extLst>
           </p:cNvPr>
@@ -5985,6 +6008,10 @@
               </a:rPr>
               <a:t>Introdução</a:t>
             </a:r>
+            <a:r>
+              <a:rPr lang="pt-BR" dirty="0"/>
+              <a:t/>
+            </a:r>
             <a:br>
               <a:rPr lang="pt-BR" dirty="0"/>
             </a:br>
@@ -5997,7 +6024,7 @@
           <p:cNvPr id="3" name="Espaço Reservado para Conteúdo 2">
             <a:extLst>
               <a:ext uri="{FF2B5EF4-FFF2-40B4-BE49-F238E27FC236}">
-                <a16:creationId xmlns:a16="http://schemas.microsoft.com/office/drawing/2014/main" id="{E7F21E8F-16B9-4745-815E-44B851450C73}"/>
+                <a16:creationId xmlns:a16="http://schemas.microsoft.com/office/drawing/2014/main" xmlns="" id="{E7F21E8F-16B9-4745-815E-44B851450C73}"/>
               </a:ext>
             </a:extLst>
           </p:cNvPr>
@@ -6114,7 +6141,7 @@
           <p:cNvPr id="2" name="Título 1">
             <a:extLst>
               <a:ext uri="{FF2B5EF4-FFF2-40B4-BE49-F238E27FC236}">
-                <a16:creationId xmlns:a16="http://schemas.microsoft.com/office/drawing/2014/main" id="{D2A3A5B6-B8F0-45C6-9E3F-15369BAA0639}"/>
+                <a16:creationId xmlns:a16="http://schemas.microsoft.com/office/drawing/2014/main" xmlns="" id="{D2A3A5B6-B8F0-45C6-9E3F-15369BAA0639}"/>
               </a:ext>
             </a:extLst>
           </p:cNvPr>
@@ -6146,7 +6173,7 @@
           <p:cNvPr id="3" name="Espaço Reservado para Conteúdo 2">
             <a:extLst>
               <a:ext uri="{FF2B5EF4-FFF2-40B4-BE49-F238E27FC236}">
-                <a16:creationId xmlns:a16="http://schemas.microsoft.com/office/drawing/2014/main" id="{9A94B399-459D-403A-AF20-5DA97C8397CC}"/>
+                <a16:creationId xmlns:a16="http://schemas.microsoft.com/office/drawing/2014/main" xmlns="" id="{9A94B399-459D-403A-AF20-5DA97C8397CC}"/>
               </a:ext>
             </a:extLst>
           </p:cNvPr>
@@ -6180,20 +6207,15 @@
               <a:buNone/>
             </a:pPr>
             <a:r>
-              <a:rPr lang="pt-BR" sz="1600" dirty="0">
+              <a:rPr lang="pt-BR" sz="1600" dirty="0" smtClean="0">
                 <a:solidFill>
                   <a:schemeClr val="tx1"/>
                 </a:solidFill>
                 <a:latin typeface="Arial" panose="020B0604020202020204" pitchFamily="34" charset="0"/>
                 <a:cs typeface="Arial" panose="020B0604020202020204" pitchFamily="34" charset="0"/>
               </a:rPr>
-              <a:t>O sistema de controle de usuário é primordial no sistema, pois para utilizar o programa o usuário deve inserir seu ID e senha, e assim terá acesso a parte do programa que ele pode acessar. Assim temos um sistema mais seguro onde cada usuário pode alterar apenas os dados que tem acesso de acordo com sua função.</a:t>
-            </a:r>
-          </a:p>
-          <a:p>
-            <a:pPr marL="0" lvl="0" indent="0">
-              <a:buNone/>
-            </a:pPr>
+              <a:t>O cadastro de usuário deverá conter os seguintes campos (nome, login, senha, e-mail, </a:t>
+            </a:r>
             <a:r>
               <a:rPr lang="pt-BR" sz="1600" dirty="0">
                 <a:solidFill>
@@ -6202,28 +6224,18 @@
                 <a:latin typeface="Arial" panose="020B0604020202020204" pitchFamily="34" charset="0"/>
                 <a:cs typeface="Arial" panose="020B0604020202020204" pitchFamily="34" charset="0"/>
               </a:rPr>
-              <a:t>O primeiro cadastro a ser feito será do usuário master, apenas ele tem acesso a inserir novos usuários e alterar suas permissões.</a:t>
-            </a:r>
-          </a:p>
-          <a:p>
-            <a:pPr marL="0" lvl="0" indent="0">
-              <a:buNone/>
-            </a:pPr>
-            <a:r>
-              <a:rPr lang="pt-BR" sz="1600" dirty="0">
+              <a:t>perfil</a:t>
+            </a:r>
+            <a:r>
+              <a:rPr lang="pt-BR" sz="1600" dirty="0" smtClean="0">
                 <a:solidFill>
                   <a:schemeClr val="tx1"/>
                 </a:solidFill>
                 <a:latin typeface="Arial" panose="020B0604020202020204" pitchFamily="34" charset="0"/>
                 <a:cs typeface="Arial" panose="020B0604020202020204" pitchFamily="34" charset="0"/>
               </a:rPr>
-              <a:t>O usuário master ao inserir um novo usuário, deverá colocar os dados pertinentes (Nome, telefone, endereço, e-mail e função), cadastrar um ID, senha e definir quais os módulos que o usuário terá acesso.</a:t>
-            </a:r>
-          </a:p>
-          <a:p>
-            <a:pPr marL="0" lvl="0" indent="0">
-              <a:buNone/>
-            </a:pPr>
+              <a:t>), </a:t>
+            </a:r>
             <a:r>
               <a:rPr lang="pt-BR" sz="1600" dirty="0">
                 <a:solidFill>
@@ -6232,8 +6244,110 @@
                 <a:latin typeface="Arial" panose="020B0604020202020204" pitchFamily="34" charset="0"/>
                 <a:cs typeface="Arial" panose="020B0604020202020204" pitchFamily="34" charset="0"/>
               </a:rPr>
-              <a:t>Um usuário comum, através desse modulo, poderá trocar sua senha </a:t>
-            </a:r>
+              <a:t>uma tela de visualização e busca dos cadastros e funcionalidades de edição e exclusão</a:t>
+            </a:r>
+            <a:r>
+              <a:rPr lang="pt-BR" sz="1600" dirty="0" smtClean="0">
+                <a:solidFill>
+                  <a:schemeClr val="tx1"/>
+                </a:solidFill>
+                <a:latin typeface="Arial" panose="020B0604020202020204" pitchFamily="34" charset="0"/>
+                <a:cs typeface="Arial" panose="020B0604020202020204" pitchFamily="34" charset="0"/>
+              </a:rPr>
+              <a:t>.</a:t>
+            </a:r>
+          </a:p>
+          <a:p>
+            <a:r>
+              <a:rPr lang="pt-BR" b="1" dirty="0">
+                <a:solidFill>
+                  <a:schemeClr val="tx1"/>
+                </a:solidFill>
+                <a:latin typeface="Arial" panose="020B0604020202020204" pitchFamily="34" charset="0"/>
+                <a:cs typeface="Arial" panose="020B0604020202020204" pitchFamily="34" charset="0"/>
+              </a:rPr>
+              <a:t>Cadastro de Cliente: </a:t>
+            </a:r>
+          </a:p>
+          <a:p>
+            <a:pPr marL="0" indent="0">
+              <a:buNone/>
+            </a:pPr>
+            <a:r>
+              <a:rPr lang="pt-BR" sz="1600" dirty="0">
+                <a:solidFill>
+                  <a:schemeClr val="tx1"/>
+                </a:solidFill>
+                <a:latin typeface="Arial" panose="020B0604020202020204" pitchFamily="34" charset="0"/>
+                <a:cs typeface="Arial" panose="020B0604020202020204" pitchFamily="34" charset="0"/>
+              </a:rPr>
+              <a:t>O cadastro de cliente deve ter os campos solicitados pelo proprietário (nome, endereço, telefone, e-mail, inscrição estadual, CPF ou CNPJ), uma tela de visualização e busca dos cadastros e funcionalidades de edição e exclusão.</a:t>
+            </a:r>
+          </a:p>
+          <a:p>
+            <a:r>
+              <a:rPr lang="pt-BR" b="1" dirty="0">
+                <a:solidFill>
+                  <a:schemeClr val="tx1"/>
+                </a:solidFill>
+                <a:latin typeface="Arial" panose="020B0604020202020204" pitchFamily="34" charset="0"/>
+                <a:cs typeface="Arial" panose="020B0604020202020204" pitchFamily="34" charset="0"/>
+              </a:rPr>
+              <a:t>Cadastro de Fornecedor:</a:t>
+            </a:r>
+          </a:p>
+          <a:p>
+            <a:pPr marL="0" indent="0">
+              <a:buNone/>
+            </a:pPr>
+            <a:r>
+              <a:rPr lang="pt-BR" sz="1600" dirty="0">
+                <a:solidFill>
+                  <a:schemeClr val="tx1"/>
+                </a:solidFill>
+                <a:latin typeface="Arial" panose="020B0604020202020204" pitchFamily="34" charset="0"/>
+                <a:cs typeface="Arial" panose="020B0604020202020204" pitchFamily="34" charset="0"/>
+              </a:rPr>
+              <a:t>O cadastro de fornecedor deve ter os campos solicitados pelo proprietário (nome, endereço, telefone, e-mail, inscrição estadual, CPF ou CNPJ), uma tela de visualização e busca dos cadastros e funcionalidades de edição e exclusão</a:t>
+            </a:r>
+            <a:r>
+              <a:rPr lang="pt-BR" sz="1600" dirty="0">
+                <a:latin typeface="Arial" panose="020B0604020202020204" pitchFamily="34" charset="0"/>
+                <a:cs typeface="Arial" panose="020B0604020202020204" pitchFamily="34" charset="0"/>
+              </a:rPr>
+              <a:t>.</a:t>
+            </a:r>
+            <a:endParaRPr lang="pt-BR" sz="1600" dirty="0" smtClean="0">
+              <a:solidFill>
+                <a:schemeClr val="tx1"/>
+              </a:solidFill>
+              <a:latin typeface="Arial" panose="020B0604020202020204" pitchFamily="34" charset="0"/>
+              <a:cs typeface="Arial" panose="020B0604020202020204" pitchFamily="34" charset="0"/>
+            </a:endParaRPr>
+          </a:p>
+          <a:p>
+            <a:pPr marL="0" lvl="0" indent="0">
+              <a:buNone/>
+            </a:pPr>
+            <a:endParaRPr lang="pt-BR" sz="1600" dirty="0" smtClean="0">
+              <a:solidFill>
+                <a:schemeClr val="tx1"/>
+              </a:solidFill>
+              <a:latin typeface="Arial" panose="020B0604020202020204" pitchFamily="34" charset="0"/>
+              <a:cs typeface="Arial" panose="020B0604020202020204" pitchFamily="34" charset="0"/>
+            </a:endParaRPr>
+          </a:p>
+          <a:p>
+            <a:pPr marL="0" lvl="0" indent="0">
+              <a:buNone/>
+            </a:pPr>
+            <a:endParaRPr lang="pt-BR" sz="1600" dirty="0">
+              <a:solidFill>
+                <a:schemeClr val="tx1"/>
+              </a:solidFill>
+              <a:latin typeface="Arial" panose="020B0604020202020204" pitchFamily="34" charset="0"/>
+              <a:cs typeface="Arial" panose="020B0604020202020204" pitchFamily="34" charset="0"/>
+            </a:endParaRPr>
           </a:p>
           <a:p>
             <a:endParaRPr lang="pt-BR" dirty="0"/>
@@ -6275,7 +6389,7 @@
           <p:cNvPr id="2" name="Título 1">
             <a:extLst>
               <a:ext uri="{FF2B5EF4-FFF2-40B4-BE49-F238E27FC236}">
-                <a16:creationId xmlns:a16="http://schemas.microsoft.com/office/drawing/2014/main" id="{66BCE68F-37C3-4C09-BD1D-B58C188FFA80}"/>
+                <a16:creationId xmlns:a16="http://schemas.microsoft.com/office/drawing/2014/main" xmlns="" id="{66BCE68F-37C3-4C09-BD1D-B58C188FFA80}"/>
               </a:ext>
             </a:extLst>
           </p:cNvPr>
@@ -6310,7 +6424,7 @@
           <p:cNvPr id="3" name="Espaço Reservado para Conteúdo 2">
             <a:extLst>
               <a:ext uri="{FF2B5EF4-FFF2-40B4-BE49-F238E27FC236}">
-                <a16:creationId xmlns:a16="http://schemas.microsoft.com/office/drawing/2014/main" id="{E258733A-CB34-49F2-946E-9FD4CAEFABD0}"/>
+                <a16:creationId xmlns:a16="http://schemas.microsoft.com/office/drawing/2014/main" xmlns="" id="{E258733A-CB34-49F2-946E-9FD4CAEFABD0}"/>
               </a:ext>
             </a:extLst>
           </p:cNvPr>
@@ -6332,91 +6446,143 @@
           <a:lstStyle/>
           <a:p>
             <a:r>
-              <a:rPr lang="pt-BR" b="1" dirty="0">
+              <a:rPr lang="pt-BR" b="1" dirty="0" smtClean="0">
                 <a:solidFill>
                   <a:schemeClr val="tx1"/>
                 </a:solidFill>
                 <a:latin typeface="Arial" panose="020B0604020202020204" pitchFamily="34" charset="0"/>
                 <a:cs typeface="Arial" panose="020B0604020202020204" pitchFamily="34" charset="0"/>
               </a:rPr>
-              <a:t>Cadastro de Cliente: </a:t>
-            </a:r>
-          </a:p>
-          <a:p>
-            <a:pPr marL="0" indent="0">
-              <a:buNone/>
-            </a:pPr>
-            <a:r>
-              <a:rPr lang="pt-BR" sz="1600" dirty="0">
+              <a:t>Compra de </a:t>
+            </a:r>
+            <a:r>
+              <a:rPr lang="pt-BR" b="1" dirty="0">
                 <a:solidFill>
                   <a:schemeClr val="tx1"/>
                 </a:solidFill>
                 <a:latin typeface="Arial" panose="020B0604020202020204" pitchFamily="34" charset="0"/>
                 <a:cs typeface="Arial" panose="020B0604020202020204" pitchFamily="34" charset="0"/>
               </a:rPr>
-              <a:t>O cadastro de cliente deve ter os campos solicitados pelo proprietário (nome, endereço, telefone, e-mail, inscrição estadual, CPF ou CNPJ), uma tela de visualização e busca dos cadastros e funcionalidades de edição e exclusão.</a:t>
-            </a:r>
-          </a:p>
-          <a:p>
-            <a:r>
-              <a:rPr lang="pt-BR" b="1" dirty="0">
+              <a:t>Bovino:</a:t>
+            </a:r>
+          </a:p>
+          <a:p>
+            <a:pPr marL="0" indent="0">
+              <a:buNone/>
+            </a:pPr>
+            <a:r>
+              <a:rPr lang="pt-BR" sz="1600" dirty="0">
                 <a:solidFill>
                   <a:schemeClr val="tx1"/>
                 </a:solidFill>
                 <a:latin typeface="Arial" panose="020B0604020202020204" pitchFamily="34" charset="0"/>
                 <a:cs typeface="Arial" panose="020B0604020202020204" pitchFamily="34" charset="0"/>
               </a:rPr>
-              <a:t>Cadastro de Fornecedor:</a:t>
-            </a:r>
-          </a:p>
-          <a:p>
-            <a:pPr marL="0" indent="0">
-              <a:buNone/>
-            </a:pPr>
-            <a:r>
-              <a:rPr lang="pt-BR" sz="1600" dirty="0">
+              <a:t>O </a:t>
+            </a:r>
+            <a:r>
+              <a:rPr lang="pt-BR" sz="1600" dirty="0" smtClean="0">
                 <a:solidFill>
                   <a:schemeClr val="tx1"/>
                 </a:solidFill>
                 <a:latin typeface="Arial" panose="020B0604020202020204" pitchFamily="34" charset="0"/>
                 <a:cs typeface="Arial" panose="020B0604020202020204" pitchFamily="34" charset="0"/>
               </a:rPr>
-              <a:t>O cadastro de fornecedor deve ter os campos solicitados pelo proprietário (nome, endereço, telefone, e-mail, inscrição estadual, CPF ou CNPJ), uma tela de visualização e busca dos cadastros e funcionalidades de edição e exclusão</a:t>
+              <a:t>compra de </a:t>
+            </a:r>
+            <a:r>
+              <a:rPr lang="pt-BR" sz="1600" dirty="0">
+                <a:solidFill>
+                  <a:schemeClr val="tx1"/>
+                </a:solidFill>
+                <a:latin typeface="Arial" panose="020B0604020202020204" pitchFamily="34" charset="0"/>
+                <a:cs typeface="Arial" panose="020B0604020202020204" pitchFamily="34" charset="0"/>
+              </a:rPr>
+              <a:t>bovino deve ter os campos solicitados pelo proprietário (brinco, raça, peso, lote, data de nascimento, descrição e valor unitário), uma tela de visualização e busca dos cadastros e funcionalidades de edição e exclusão</a:t>
+            </a:r>
+            <a:r>
+              <a:rPr lang="pt-BR" sz="1600" dirty="0" smtClean="0">
+                <a:solidFill>
+                  <a:schemeClr val="tx1"/>
+                </a:solidFill>
+                <a:latin typeface="Arial" panose="020B0604020202020204" pitchFamily="34" charset="0"/>
+                <a:cs typeface="Arial" panose="020B0604020202020204" pitchFamily="34" charset="0"/>
+              </a:rPr>
+              <a:t>.</a:t>
+            </a:r>
+          </a:p>
+          <a:p>
+            <a:r>
+              <a:rPr lang="pt-BR" b="1" dirty="0">
+                <a:solidFill>
+                  <a:schemeClr val="tx1"/>
+                </a:solidFill>
+                <a:latin typeface="Arial" panose="020B0604020202020204" pitchFamily="34" charset="0"/>
+                <a:cs typeface="Arial" panose="020B0604020202020204" pitchFamily="34" charset="0"/>
+              </a:rPr>
+              <a:t>Cadastro de Raça</a:t>
             </a:r>
             <a:r>
               <a:rPr lang="pt-BR" dirty="0">
                 <a:latin typeface="Arial" panose="020B0604020202020204" pitchFamily="34" charset="0"/>
                 <a:cs typeface="Arial" panose="020B0604020202020204" pitchFamily="34" charset="0"/>
               </a:rPr>
-              <a:t>.</a:t>
-            </a:r>
-          </a:p>
-          <a:p>
-            <a:r>
-              <a:rPr lang="pt-BR" b="1" dirty="0">
+              <a:t>:</a:t>
+            </a:r>
+          </a:p>
+          <a:p>
+            <a:pPr marL="0" indent="0">
+              <a:buNone/>
+            </a:pPr>
+            <a:r>
+              <a:rPr lang="pt-BR" sz="1600" dirty="0">
                 <a:solidFill>
                   <a:schemeClr val="tx1"/>
                 </a:solidFill>
                 <a:latin typeface="Arial" panose="020B0604020202020204" pitchFamily="34" charset="0"/>
                 <a:cs typeface="Arial" panose="020B0604020202020204" pitchFamily="34" charset="0"/>
               </a:rPr>
-              <a:t>Cadastro de Bovino:</a:t>
-            </a:r>
-          </a:p>
-          <a:p>
-            <a:pPr marL="0" indent="0">
-              <a:buNone/>
-            </a:pPr>
-            <a:r>
-              <a:rPr lang="pt-BR" sz="1600" dirty="0">
+              <a:t>O cadastro de raça deve ter os campos solicitados pelo proprietário (nome, descrição), uma tela de visualização e busca dos cadastros e funcionalidades de edição e exclusão.</a:t>
+            </a:r>
+          </a:p>
+          <a:p>
+            <a:r>
+              <a:rPr lang="pt-BR" b="1" dirty="0">
                 <a:solidFill>
                   <a:schemeClr val="tx1"/>
                 </a:solidFill>
                 <a:latin typeface="Arial" panose="020B0604020202020204" pitchFamily="34" charset="0"/>
                 <a:cs typeface="Arial" panose="020B0604020202020204" pitchFamily="34" charset="0"/>
               </a:rPr>
-              <a:t>O cadastro de bovino deve ter os campos solicitados pelo proprietário (brinco, raça, peso, lote, data de nascimento, descrição e valor unitário), uma tela de visualização e busca dos cadastros e funcionalidades de edição e exclusão.</a:t>
-            </a:r>
+              <a:t>Cadastro de Tipo de Produto:</a:t>
+            </a:r>
+          </a:p>
+          <a:p>
+            <a:pPr marL="0" indent="0">
+              <a:buNone/>
+            </a:pPr>
+            <a:r>
+              <a:rPr lang="pt-BR" sz="1600" dirty="0">
+                <a:solidFill>
+                  <a:schemeClr val="tx1"/>
+                </a:solidFill>
+                <a:latin typeface="Arial" panose="020B0604020202020204" pitchFamily="34" charset="0"/>
+                <a:cs typeface="Arial" panose="020B0604020202020204" pitchFamily="34" charset="0"/>
+              </a:rPr>
+              <a:t>O cadastro de tipo de produto deve ter campos solicitados pelo proprietário (tipo, descrição), uma tela de visualização e busca dos cadastros e funcionalidades de edição e exclusão.</a:t>
+            </a:r>
+          </a:p>
+          <a:p>
+            <a:pPr marL="0" indent="0">
+              <a:buNone/>
+            </a:pPr>
+            <a:endParaRPr lang="pt-BR" sz="1600" dirty="0">
+              <a:solidFill>
+                <a:schemeClr val="tx1"/>
+              </a:solidFill>
+              <a:latin typeface="Arial" panose="020B0604020202020204" pitchFamily="34" charset="0"/>
+              <a:cs typeface="Arial" panose="020B0604020202020204" pitchFamily="34" charset="0"/>
+            </a:endParaRPr>
           </a:p>
           <a:p>
             <a:pPr marL="0" indent="0">
@@ -6479,7 +6645,7 @@
           <p:cNvPr id="2" name="Título 1">
             <a:extLst>
               <a:ext uri="{FF2B5EF4-FFF2-40B4-BE49-F238E27FC236}">
-                <a16:creationId xmlns:a16="http://schemas.microsoft.com/office/drawing/2014/main" id="{BD8A76B3-676E-4A5B-9AF4-FDD0F052F790}"/>
+                <a16:creationId xmlns:a16="http://schemas.microsoft.com/office/drawing/2014/main" xmlns="" id="{BD8A76B3-676E-4A5B-9AF4-FDD0F052F790}"/>
               </a:ext>
             </a:extLst>
           </p:cNvPr>
@@ -6495,6 +6661,10 @@
           <a:bodyPr/>
           <a:lstStyle/>
           <a:p>
+            <a:r>
+              <a:rPr lang="pt-BR" dirty="0"/>
+              <a:t/>
+            </a:r>
             <a:br>
               <a:rPr lang="pt-BR" dirty="0"/>
             </a:br>
@@ -6517,7 +6687,7 @@
           <p:cNvPr id="3" name="Espaço Reservado para Conteúdo 2">
             <a:extLst>
               <a:ext uri="{FF2B5EF4-FFF2-40B4-BE49-F238E27FC236}">
-                <a16:creationId xmlns:a16="http://schemas.microsoft.com/office/drawing/2014/main" id="{F537E845-BD09-4285-BDA6-A7602190C169}"/>
+                <a16:creationId xmlns:a16="http://schemas.microsoft.com/office/drawing/2014/main" xmlns="" id="{F537E845-BD09-4285-BDA6-A7602190C169}"/>
               </a:ext>
             </a:extLst>
           </p:cNvPr>
@@ -6541,43 +6711,24 @@
           <a:lstStyle/>
           <a:p>
             <a:r>
-              <a:rPr lang="pt-BR" b="1" dirty="0">
+              <a:rPr lang="pt-BR" b="1" dirty="0" smtClean="0">
                 <a:solidFill>
                   <a:schemeClr val="tx1"/>
                 </a:solidFill>
                 <a:latin typeface="Arial" panose="020B0604020202020204" pitchFamily="34" charset="0"/>
                 <a:cs typeface="Arial" panose="020B0604020202020204" pitchFamily="34" charset="0"/>
               </a:rPr>
-              <a:t>Cadastro de Raça</a:t>
-            </a:r>
-            <a:r>
-              <a:rPr lang="pt-BR" dirty="0"/>
-              <a:t>:</a:t>
-            </a:r>
-          </a:p>
-          <a:p>
-            <a:pPr marL="0" indent="0">
-              <a:buNone/>
-            </a:pPr>
-            <a:r>
-              <a:rPr lang="pt-BR" sz="1600" dirty="0">
+              <a:t>Compra de </a:t>
+            </a:r>
+            <a:r>
+              <a:rPr lang="pt-BR" b="1" dirty="0">
                 <a:solidFill>
                   <a:schemeClr val="tx1"/>
                 </a:solidFill>
                 <a:latin typeface="Arial" panose="020B0604020202020204" pitchFamily="34" charset="0"/>
                 <a:cs typeface="Arial" panose="020B0604020202020204" pitchFamily="34" charset="0"/>
               </a:rPr>
-              <a:t>O cadastro de raça deve ter os campos solicitados pelo proprietário (nome, descrição), uma tela de visualização e busca dos cadastros e funcionalidades de edição e exclusão.</a:t>
-            </a:r>
-          </a:p>
-          <a:p>
-            <a:r>
-              <a:rPr lang="pt-BR" b="1" dirty="0">
-                <a:solidFill>
-                  <a:schemeClr val="tx1"/>
-                </a:solidFill>
-              </a:rPr>
-              <a:t>Cadastro de Tipo de Produto:</a:t>
+              <a:t>Produtos:</a:t>
             </a:r>
           </a:p>
           <a:p>
@@ -6592,25 +6743,18 @@
                 <a:latin typeface="Arial" panose="020B0604020202020204" pitchFamily="34" charset="0"/>
                 <a:cs typeface="Arial" panose="020B0604020202020204" pitchFamily="34" charset="0"/>
               </a:rPr>
-              <a:t>O cadastro de tipo de produto deve ter campos solicitados pelo proprietário (tipo, descrição), uma tela de visualização e busca dos cadastros e funcionalidades de edição e exclusão.</a:t>
-            </a:r>
-          </a:p>
-          <a:p>
-            <a:r>
-              <a:rPr lang="pt-BR" b="1" dirty="0">
+              <a:t>O </a:t>
+            </a:r>
+            <a:r>
+              <a:rPr lang="pt-BR" sz="1600" dirty="0" smtClean="0">
                 <a:solidFill>
                   <a:schemeClr val="tx1"/>
                 </a:solidFill>
                 <a:latin typeface="Arial" panose="020B0604020202020204" pitchFamily="34" charset="0"/>
                 <a:cs typeface="Arial" panose="020B0604020202020204" pitchFamily="34" charset="0"/>
               </a:rPr>
-              <a:t>Cadastro de Produtos:</a:t>
-            </a:r>
-          </a:p>
-          <a:p>
-            <a:pPr marL="0" indent="0">
-              <a:buNone/>
-            </a:pPr>
+              <a:t>compra de </a:t>
+            </a:r>
             <a:r>
               <a:rPr lang="pt-BR" sz="1600" dirty="0">
                 <a:solidFill>
@@ -6619,8 +6763,84 @@
                 <a:latin typeface="Arial" panose="020B0604020202020204" pitchFamily="34" charset="0"/>
                 <a:cs typeface="Arial" panose="020B0604020202020204" pitchFamily="34" charset="0"/>
               </a:rPr>
-              <a:t>O cadastro de produto deve ter campos solicitados pelo proprietário (nome, descrição, valor, validade), uma tela de visualização e busca dos cadastros e funcionalidades de edição e exclusão.</a:t>
-            </a:r>
+              <a:t>produto deve ter campos solicitados pelo proprietário (nome, descrição, valor, validade), uma tela de visualização e busca dos cadastros e funcionalidades de edição e exclusão</a:t>
+            </a:r>
+            <a:r>
+              <a:rPr lang="pt-BR" sz="1600" dirty="0" smtClean="0">
+                <a:solidFill>
+                  <a:schemeClr val="tx1"/>
+                </a:solidFill>
+                <a:latin typeface="Arial" panose="020B0604020202020204" pitchFamily="34" charset="0"/>
+                <a:cs typeface="Arial" panose="020B0604020202020204" pitchFamily="34" charset="0"/>
+              </a:rPr>
+              <a:t>.</a:t>
+            </a:r>
+          </a:p>
+          <a:p>
+            <a:r>
+              <a:rPr lang="pt-BR" b="1" dirty="0">
+                <a:solidFill>
+                  <a:schemeClr val="tx1"/>
+                </a:solidFill>
+                <a:latin typeface="Arial" panose="020B0604020202020204" pitchFamily="34" charset="0"/>
+                <a:cs typeface="Arial" panose="020B0604020202020204" pitchFamily="34" charset="0"/>
+              </a:rPr>
+              <a:t>Venda de Produtos:</a:t>
+            </a:r>
+          </a:p>
+          <a:p>
+            <a:pPr marL="0" indent="0">
+              <a:buNone/>
+            </a:pPr>
+            <a:r>
+              <a:rPr lang="pt-BR" sz="1600" dirty="0">
+                <a:solidFill>
+                  <a:schemeClr val="tx1"/>
+                </a:solidFill>
+                <a:latin typeface="Arial" panose="020B0604020202020204" pitchFamily="34" charset="0"/>
+                <a:cs typeface="Arial" panose="020B0604020202020204" pitchFamily="34" charset="0"/>
+              </a:rPr>
+              <a:t>A venda de produtos deve ter o seguintes campos solicitados pelo proprietário(data da compra, prazo de entrega).Nessa venda vai ter lista de produtos.</a:t>
+            </a:r>
+          </a:p>
+          <a:p>
+            <a:r>
+              <a:rPr lang="pt-BR" b="1" dirty="0">
+                <a:solidFill>
+                  <a:schemeClr val="tx1"/>
+                </a:solidFill>
+                <a:latin typeface="Arial" panose="020B0604020202020204" pitchFamily="34" charset="0"/>
+                <a:cs typeface="Arial" panose="020B0604020202020204" pitchFamily="34" charset="0"/>
+              </a:rPr>
+              <a:t>Venda de Bovinos:</a:t>
+            </a:r>
+          </a:p>
+          <a:p>
+            <a:pPr marL="0" indent="0">
+              <a:buNone/>
+            </a:pPr>
+            <a:r>
+              <a:rPr lang="pt-BR" sz="1600" dirty="0">
+                <a:solidFill>
+                  <a:schemeClr val="tx1"/>
+                </a:solidFill>
+                <a:latin typeface="Arial" panose="020B0604020202020204" pitchFamily="34" charset="0"/>
+                <a:cs typeface="Arial" panose="020B0604020202020204" pitchFamily="34" charset="0"/>
+              </a:rPr>
+              <a:t>A venda de  bovinos deve ter o seguintes campos solicitados pelo proprietário(data da compra, prazo de entrega). Nessa venda vai ter lista de bovinos.</a:t>
+            </a:r>
+          </a:p>
+          <a:p>
+            <a:pPr marL="0" indent="0">
+              <a:buNone/>
+            </a:pPr>
+            <a:endParaRPr lang="pt-BR" sz="1600" dirty="0">
+              <a:solidFill>
+                <a:schemeClr val="tx1"/>
+              </a:solidFill>
+              <a:latin typeface="Arial" panose="020B0604020202020204" pitchFamily="34" charset="0"/>
+              <a:cs typeface="Arial" panose="020B0604020202020204" pitchFamily="34" charset="0"/>
+            </a:endParaRPr>
           </a:p>
           <a:p>
             <a:pPr marL="0" indent="0">
@@ -6668,13 +6888,7 @@
       </p:grpSpPr>
       <p:sp>
         <p:nvSpPr>
-          <p:cNvPr id="2" name="Título 1">
-            <a:extLst>
-              <a:ext uri="{FF2B5EF4-FFF2-40B4-BE49-F238E27FC236}">
-                <a16:creationId xmlns:a16="http://schemas.microsoft.com/office/drawing/2014/main" id="{84B2469C-8D4C-4FBF-9D54-8057E9810FE2}"/>
-              </a:ext>
-            </a:extLst>
-          </p:cNvPr>
+          <p:cNvPr id="2" name="Título 1"/>
           <p:cNvSpPr>
             <a:spLocks noGrp="1"/>
           </p:cNvSpPr>
@@ -6700,13 +6914,7 @@
       </p:sp>
       <p:sp>
         <p:nvSpPr>
-          <p:cNvPr id="3" name="Espaço Reservado para Conteúdo 2">
-            <a:extLst>
-              <a:ext uri="{FF2B5EF4-FFF2-40B4-BE49-F238E27FC236}">
-                <a16:creationId xmlns:a16="http://schemas.microsoft.com/office/drawing/2014/main" id="{3101B55C-B16B-474B-A0B7-EDF1D989021C}"/>
-              </a:ext>
-            </a:extLst>
-          </p:cNvPr>
+          <p:cNvPr id="3" name="Espaço Reservado para Conteúdo 2"/>
           <p:cNvSpPr>
             <a:spLocks noGrp="1"/>
           </p:cNvSpPr>
@@ -6720,14 +6928,24 @@
           <a:lstStyle/>
           <a:p>
             <a:r>
-              <a:rPr lang="pt-BR" b="1" dirty="0">
+              <a:rPr lang="pt-BR" b="1" dirty="0" smtClean="0">
                 <a:solidFill>
                   <a:schemeClr val="tx1"/>
                 </a:solidFill>
                 <a:latin typeface="Arial" panose="020B0604020202020204" pitchFamily="34" charset="0"/>
                 <a:cs typeface="Arial" panose="020B0604020202020204" pitchFamily="34" charset="0"/>
               </a:rPr>
-              <a:t>Cadastro de Veterinário:</a:t>
+              <a:t>Cadastro </a:t>
+            </a:r>
+            <a:r>
+              <a:rPr lang="pt-BR" b="1" dirty="0">
+                <a:solidFill>
+                  <a:schemeClr val="tx1"/>
+                </a:solidFill>
+                <a:latin typeface="Arial" panose="020B0604020202020204" pitchFamily="34" charset="0"/>
+                <a:cs typeface="Arial" panose="020B0604020202020204" pitchFamily="34" charset="0"/>
+              </a:rPr>
+              <a:t>de Veterinário:</a:t>
             </a:r>
           </a:p>
           <a:p>
@@ -6757,44 +6975,45 @@
                 <a:latin typeface="Arial" panose="020B0604020202020204" pitchFamily="34" charset="0"/>
                 <a:cs typeface="Arial" panose="020B0604020202020204" pitchFamily="34" charset="0"/>
               </a:rPr>
-              <a:t>Já na tela de venda de vacina vai ter os seguintes campos (data de aplicação, data de validade, nome do medicamento, descrição).</a:t>
-            </a:r>
-          </a:p>
-          <a:p>
-            <a:r>
-              <a:rPr lang="pt-BR" b="1" dirty="0">
+              <a:t>Já na tela de venda de vacina vai ter os seguintes campos (data de aplicação, data de validade, nome do medicamento, descrição</a:t>
+            </a:r>
+            <a:r>
+              <a:rPr lang="pt-BR" sz="1600" dirty="0" smtClean="0">
                 <a:solidFill>
                   <a:schemeClr val="tx1"/>
                 </a:solidFill>
                 <a:latin typeface="Arial" panose="020B0604020202020204" pitchFamily="34" charset="0"/>
                 <a:cs typeface="Arial" panose="020B0604020202020204" pitchFamily="34" charset="0"/>
               </a:rPr>
-              <a:t>Cadastro de Frete:</a:t>
-            </a:r>
-          </a:p>
-          <a:p>
-            <a:pPr marL="0" indent="0">
-              <a:buNone/>
-            </a:pPr>
-            <a:r>
-              <a:rPr lang="pt-BR" sz="1600" dirty="0">
+              <a:t>).</a:t>
+            </a:r>
+          </a:p>
+          <a:p>
+            <a:r>
+              <a:rPr lang="pt-BR" b="1" dirty="0">
                 <a:solidFill>
                   <a:schemeClr val="tx1"/>
                 </a:solidFill>
                 <a:latin typeface="Arial" panose="020B0604020202020204" pitchFamily="34" charset="0"/>
                 <a:cs typeface="Arial" panose="020B0604020202020204" pitchFamily="34" charset="0"/>
               </a:rPr>
-              <a:t>O cadastro de veterinário deve ter os campos solicitados pelo proprietário (data de início, data de chegada, preço, descrição, peso de saída, peso de chegada), uma tela de visualização e busca dos cadastros e funcionalidades de edição e exclusão.</a:t>
-            </a:r>
-          </a:p>
-          <a:p>
-            <a:endParaRPr lang="pt-BR" b="1" dirty="0">
-              <a:solidFill>
-                <a:schemeClr val="tx1"/>
-              </a:solidFill>
-              <a:latin typeface="Arial" panose="020B0604020202020204" pitchFamily="34" charset="0"/>
-              <a:cs typeface="Arial" panose="020B0604020202020204" pitchFamily="34" charset="0"/>
-            </a:endParaRPr>
+              <a:t>Cadastro de Confinamento:</a:t>
+            </a:r>
+          </a:p>
+          <a:p>
+            <a:pPr marL="0" indent="0">
+              <a:buNone/>
+            </a:pPr>
+            <a:r>
+              <a:rPr lang="pt-BR" sz="1600" dirty="0">
+                <a:solidFill>
+                  <a:schemeClr val="tx1"/>
+                </a:solidFill>
+                <a:latin typeface="Arial" panose="020B0604020202020204" pitchFamily="34" charset="0"/>
+                <a:cs typeface="Arial" panose="020B0604020202020204" pitchFamily="34" charset="0"/>
+              </a:rPr>
+              <a:t>Esse cadastro vai ter vários módulos como “Inclusão de Animal” aonde deve conter os seguintes campos (brinco, data inicial, data do abate, custo diário), vamos ter um segundo modulo “Inclusão por lote”, o terceiro modulo vai ser “Entrada de Produto” onde vai ter dois campos (vacina, ração). Ao inserir todos os dados deverá ser direcionado para tela principal e onde posso listar, editar e exclui.</a:t>
+            </a:r>
           </a:p>
           <a:p>
             <a:pPr marL="0" lvl="0" indent="0">
@@ -6809,14 +7028,29 @@
             </a:endParaRPr>
           </a:p>
           <a:p>
-            <a:endParaRPr lang="pt-BR" dirty="0"/>
+            <a:pPr marL="0" indent="0">
+              <a:buNone/>
+            </a:pPr>
+            <a:endParaRPr lang="pt-BR" sz="1400" dirty="0" smtClean="0">
+              <a:latin typeface="Arial" panose="020B0604020202020204" pitchFamily="34" charset="0"/>
+              <a:cs typeface="Arial" panose="020B0604020202020204" pitchFamily="34" charset="0"/>
+            </a:endParaRPr>
+          </a:p>
+          <a:p>
+            <a:pPr marL="0" indent="0">
+              <a:buNone/>
+            </a:pPr>
+            <a:endParaRPr lang="pt-BR" sz="1600" dirty="0" smtClean="0">
+              <a:latin typeface="Arial" panose="020B0604020202020204" pitchFamily="34" charset="0"/>
+              <a:cs typeface="Arial" panose="020B0604020202020204" pitchFamily="34" charset="0"/>
+            </a:endParaRPr>
           </a:p>
         </p:txBody>
       </p:sp>
     </p:spTree>
     <p:extLst>
       <p:ext uri="{BB962C8B-B14F-4D97-AF65-F5344CB8AC3E}">
-        <p14:creationId xmlns:p14="http://schemas.microsoft.com/office/powerpoint/2010/main" val="3355989700"/>
+        <p14:creationId xmlns:p14="http://schemas.microsoft.com/office/powerpoint/2010/main" val="726370624"/>
       </p:ext>
     </p:extLst>
   </p:cSld>
@@ -6845,13 +7079,7 @@
       </p:grpSpPr>
       <p:sp>
         <p:nvSpPr>
-          <p:cNvPr id="2" name="Título 1">
-            <a:extLst>
-              <a:ext uri="{FF2B5EF4-FFF2-40B4-BE49-F238E27FC236}">
-                <a16:creationId xmlns:a16="http://schemas.microsoft.com/office/drawing/2014/main" id="{CEF3B2B3-CAE3-4A85-B88C-B8D6678C0C8F}"/>
-              </a:ext>
-            </a:extLst>
-          </p:cNvPr>
+          <p:cNvPr id="2" name="Título 1"/>
           <p:cNvSpPr>
             <a:spLocks noGrp="1"/>
           </p:cNvSpPr>
@@ -6865,54 +7093,60 @@
           <a:lstStyle/>
           <a:p>
             <a:r>
-              <a:rPr lang="pt-BR" b="1" dirty="0">
+              <a:rPr lang="pt-BR" dirty="0" smtClean="0"/>
+              <a:t>Requisitos não Funcional</a:t>
+            </a:r>
+            <a:br>
+              <a:rPr lang="pt-BR" dirty="0" smtClean="0"/>
+            </a:br>
+            <a:endParaRPr lang="pt-BR" dirty="0"/>
+          </a:p>
+        </p:txBody>
+      </p:sp>
+      <p:sp>
+        <p:nvSpPr>
+          <p:cNvPr id="3" name="Espaço Reservado para Conteúdo 2"/>
+          <p:cNvSpPr>
+            <a:spLocks noGrp="1"/>
+          </p:cNvSpPr>
+          <p:nvPr>
+            <p:ph idx="1"/>
+          </p:nvPr>
+        </p:nvSpPr>
+        <p:spPr/>
+        <p:txBody>
+          <a:bodyPr/>
+          <a:lstStyle/>
+          <a:p>
+            <a:r>
+              <a:rPr lang="pt-BR" dirty="0" smtClean="0">
+                <a:solidFill>
+                  <a:schemeClr val="tx1"/>
+                </a:solidFill>
                 <a:latin typeface="Arial" panose="020B0604020202020204" pitchFamily="34" charset="0"/>
                 <a:cs typeface="Arial" panose="020B0604020202020204" pitchFamily="34" charset="0"/>
               </a:rPr>
-              <a:t>Requisitos Funcionais</a:t>
-            </a:r>
-            <a:endParaRPr lang="pt-BR" dirty="0"/>
-          </a:p>
-        </p:txBody>
-      </p:sp>
-      <p:sp>
-        <p:nvSpPr>
-          <p:cNvPr id="3" name="Espaço Reservado para Conteúdo 2">
-            <a:extLst>
-              <a:ext uri="{FF2B5EF4-FFF2-40B4-BE49-F238E27FC236}">
-                <a16:creationId xmlns:a16="http://schemas.microsoft.com/office/drawing/2014/main" id="{4C4D0F75-35A0-4156-AA9E-283CB01E8A64}"/>
-              </a:ext>
-            </a:extLst>
-          </p:cNvPr>
-          <p:cNvSpPr>
-            <a:spLocks noGrp="1"/>
-          </p:cNvSpPr>
-          <p:nvPr>
-            <p:ph idx="1"/>
-          </p:nvPr>
-        </p:nvSpPr>
-        <p:spPr/>
-        <p:txBody>
-          <a:bodyPr>
-            <a:normAutofit lnSpcReduction="10000"/>
-          </a:bodyPr>
-          <a:lstStyle/>
-          <a:p>
-            <a:r>
-              <a:rPr lang="pt-BR" b="1" dirty="0">
+              <a:t>RFN001</a:t>
+            </a:r>
+            <a:r>
+              <a:rPr lang="pt-BR" dirty="0" smtClean="0"/>
+              <a:t>:</a:t>
+            </a:r>
+          </a:p>
+          <a:p>
+            <a:pPr marL="0" lvl="0" indent="0">
+              <a:buNone/>
+            </a:pPr>
+            <a:r>
+              <a:rPr lang="pt-BR" sz="1600" dirty="0" smtClean="0">
                 <a:solidFill>
                   <a:schemeClr val="tx1"/>
                 </a:solidFill>
                 <a:latin typeface="Arial" panose="020B0604020202020204" pitchFamily="34" charset="0"/>
                 <a:cs typeface="Arial" panose="020B0604020202020204" pitchFamily="34" charset="0"/>
               </a:rPr>
-              <a:t>Cadastro de Comissionado:</a:t>
-            </a:r>
-          </a:p>
-          <a:p>
-            <a:pPr marL="0" indent="0">
-              <a:buNone/>
-            </a:pPr>
+              <a:t>O sistema </a:t>
+            </a:r>
             <a:r>
               <a:rPr lang="pt-BR" sz="1600" dirty="0">
                 <a:solidFill>
@@ -6921,112 +7155,91 @@
                 <a:latin typeface="Arial" panose="020B0604020202020204" pitchFamily="34" charset="0"/>
                 <a:cs typeface="Arial" panose="020B0604020202020204" pitchFamily="34" charset="0"/>
               </a:rPr>
-              <a:t>O cadastro de comissionado deve ter os campos solicitados pelo proprietário (nome, telefone, endereço), uma tela de visualização e busca dos cadastros e funcionalidades de edição e exclusão.</a:t>
-            </a:r>
-          </a:p>
-          <a:p>
-            <a:r>
-              <a:rPr lang="pt-BR" b="1" dirty="0">
+              <a:t>de controle de usuário é primordial no sistema, pois para utilizar o programa o usuário deve inserir seu ID e senha, e assim terá acesso a parte do programa que ele pode acessar. Assim temos um sistema mais seguro onde cada usuário pode alterar apenas os dados que tem acesso de acordo com sua função.</a:t>
+            </a:r>
+          </a:p>
+          <a:p>
+            <a:pPr marL="0" lvl="0" indent="0">
+              <a:buNone/>
+            </a:pPr>
+            <a:r>
+              <a:rPr lang="pt-BR" sz="1600" dirty="0">
                 <a:solidFill>
                   <a:schemeClr val="tx1"/>
                 </a:solidFill>
                 <a:latin typeface="Arial" panose="020B0604020202020204" pitchFamily="34" charset="0"/>
                 <a:cs typeface="Arial" panose="020B0604020202020204" pitchFamily="34" charset="0"/>
               </a:rPr>
-              <a:t>Cadastro de Motorista:</a:t>
-            </a:r>
-          </a:p>
-          <a:p>
-            <a:pPr marL="0" indent="0">
-              <a:buNone/>
-            </a:pPr>
-            <a:r>
-              <a:rPr lang="pt-BR" sz="1600" dirty="0">
+              <a:t>O primeiro cadastro a ser feito será do usuário </a:t>
+            </a:r>
+            <a:r>
+              <a:rPr lang="pt-BR" sz="1600" dirty="0" err="1">
                 <a:solidFill>
                   <a:schemeClr val="tx1"/>
                 </a:solidFill>
                 <a:latin typeface="Arial" panose="020B0604020202020204" pitchFamily="34" charset="0"/>
                 <a:cs typeface="Arial" panose="020B0604020202020204" pitchFamily="34" charset="0"/>
               </a:rPr>
-              <a:t>O cadastro de motorista deve ter os campos solicitados pelo proprietário (nome, telefone, endereço, CNH, descrição), uma tela de visualização e busca dos cadastros e funcionalidades de edição e exclusão.</a:t>
-            </a:r>
-          </a:p>
-          <a:p>
-            <a:r>
-              <a:rPr lang="pt-BR" sz="1600" b="1" dirty="0">
+              <a:t>master</a:t>
+            </a:r>
+            <a:r>
+              <a:rPr lang="pt-BR" sz="1600" dirty="0">
                 <a:solidFill>
                   <a:schemeClr val="tx1"/>
                 </a:solidFill>
                 <a:latin typeface="Arial" panose="020B0604020202020204" pitchFamily="34" charset="0"/>
                 <a:cs typeface="Arial" panose="020B0604020202020204" pitchFamily="34" charset="0"/>
               </a:rPr>
-              <a:t>Cadastro de Confinamento:</a:t>
-            </a:r>
-          </a:p>
-          <a:p>
-            <a:pPr marL="0" indent="0">
-              <a:buNone/>
-            </a:pPr>
-            <a:r>
-              <a:rPr lang="pt-BR" sz="1600" dirty="0">
+              <a:t>, apenas ele tem acesso a inserir novos usuários e alterar suas permissões</a:t>
+            </a:r>
+            <a:r>
+              <a:rPr lang="pt-BR" sz="1600" dirty="0" smtClean="0">
                 <a:solidFill>
                   <a:schemeClr val="tx1"/>
                 </a:solidFill>
                 <a:latin typeface="Arial" panose="020B0604020202020204" pitchFamily="34" charset="0"/>
                 <a:cs typeface="Arial" panose="020B0604020202020204" pitchFamily="34" charset="0"/>
               </a:rPr>
-              <a:t>Esse cadastro vai ter vários módulos como “</a:t>
-            </a:r>
-            <a:r>
-              <a:rPr lang="pt-BR" sz="1600" b="1" dirty="0">
+              <a:t>.</a:t>
+            </a:r>
+          </a:p>
+          <a:p>
+            <a:pPr marL="0" indent="0">
+              <a:buNone/>
+            </a:pPr>
+            <a:r>
+              <a:rPr lang="pt-BR" sz="1600" dirty="0">
                 <a:solidFill>
                   <a:schemeClr val="tx1"/>
                 </a:solidFill>
                 <a:latin typeface="Arial" panose="020B0604020202020204" pitchFamily="34" charset="0"/>
                 <a:cs typeface="Arial" panose="020B0604020202020204" pitchFamily="34" charset="0"/>
               </a:rPr>
-              <a:t>Inclusão de Animal</a:t>
-            </a:r>
-            <a:r>
-              <a:rPr lang="pt-BR" sz="1600" dirty="0">
+              <a:t>O usuário </a:t>
+            </a:r>
+            <a:r>
+              <a:rPr lang="pt-BR" sz="1600" dirty="0" err="1">
                 <a:solidFill>
                   <a:schemeClr val="tx1"/>
                 </a:solidFill>
                 <a:latin typeface="Arial" panose="020B0604020202020204" pitchFamily="34" charset="0"/>
                 <a:cs typeface="Arial" panose="020B0604020202020204" pitchFamily="34" charset="0"/>
               </a:rPr>
-              <a:t>” aonde deve conter os seguintes campos (brinco, data inicial, data do abate, custo diário), vamos ter um segundo modulo “</a:t>
-            </a:r>
-            <a:r>
-              <a:rPr lang="pt-BR" sz="1600" b="1" dirty="0">
+              <a:t>master</a:t>
+            </a:r>
+            <a:r>
+              <a:rPr lang="pt-BR" sz="1600" dirty="0">
                 <a:solidFill>
                   <a:schemeClr val="tx1"/>
                 </a:solidFill>
                 <a:latin typeface="Arial" panose="020B0604020202020204" pitchFamily="34" charset="0"/>
                 <a:cs typeface="Arial" panose="020B0604020202020204" pitchFamily="34" charset="0"/>
               </a:rPr>
-              <a:t>Inclusão por lote</a:t>
-            </a:r>
-            <a:r>
-              <a:rPr lang="pt-BR" sz="1600" dirty="0">
-                <a:solidFill>
-                  <a:schemeClr val="tx1"/>
-                </a:solidFill>
-                <a:latin typeface="Arial" panose="020B0604020202020204" pitchFamily="34" charset="0"/>
-                <a:cs typeface="Arial" panose="020B0604020202020204" pitchFamily="34" charset="0"/>
-              </a:rPr>
-              <a:t>”, o terceiro modulo vai ser “Entrada de Produto” onde vai ter dois campos (vacina, ração). Ao inserir todos os dados deverá ser direcionado para tela principal e onde posso listar, editar e exclui.</a:t>
-            </a:r>
-            <a:endParaRPr lang="pt-BR" sz="1600" b="1" dirty="0">
-              <a:solidFill>
-                <a:schemeClr val="tx1"/>
-              </a:solidFill>
-              <a:latin typeface="Arial" panose="020B0604020202020204" pitchFamily="34" charset="0"/>
-              <a:cs typeface="Arial" panose="020B0604020202020204" pitchFamily="34" charset="0"/>
-            </a:endParaRPr>
-          </a:p>
-          <a:p>
-            <a:pPr marL="0" indent="0">
+              <a:t> ao inserir um novo usuário, deverá colocar os dados pertinentes (Nome, telefone, endereço, e-mail e função), cadastrar um ID, senha e definir quais os módulos que o usuário terá acesso.</a:t>
+            </a:r>
+          </a:p>
+          <a:p>
+            <a:pPr marL="0" lvl="0" indent="0">
               <a:buNone/>
             </a:pPr>
             <a:endParaRPr lang="pt-BR" sz="1600" dirty="0">
@@ -7037,30 +7250,12 @@
               <a:cs typeface="Arial" panose="020B0604020202020204" pitchFamily="34" charset="0"/>
             </a:endParaRPr>
           </a:p>
-          <a:p>
-            <a:endParaRPr lang="pt-BR" b="1" dirty="0">
-              <a:solidFill>
-                <a:schemeClr val="tx1"/>
-              </a:solidFill>
-              <a:latin typeface="Arial" panose="020B0604020202020204" pitchFamily="34" charset="0"/>
-              <a:cs typeface="Arial" panose="020B0604020202020204" pitchFamily="34" charset="0"/>
-            </a:endParaRPr>
-          </a:p>
-          <a:p>
-            <a:endParaRPr lang="pt-BR" b="1" dirty="0">
-              <a:solidFill>
-                <a:schemeClr val="tx1"/>
-              </a:solidFill>
-              <a:latin typeface="Arial" panose="020B0604020202020204" pitchFamily="34" charset="0"/>
-              <a:cs typeface="Arial" panose="020B0604020202020204" pitchFamily="34" charset="0"/>
-            </a:endParaRPr>
-          </a:p>
         </p:txBody>
       </p:sp>
     </p:spTree>
     <p:extLst>
       <p:ext uri="{BB962C8B-B14F-4D97-AF65-F5344CB8AC3E}">
-        <p14:creationId xmlns:p14="http://schemas.microsoft.com/office/powerpoint/2010/main" val="857687599"/>
+        <p14:creationId xmlns:p14="http://schemas.microsoft.com/office/powerpoint/2010/main" val="2078037492"/>
       </p:ext>
     </p:extLst>
   </p:cSld>
@@ -7089,13 +7284,7 @@
       </p:grpSpPr>
       <p:sp>
         <p:nvSpPr>
-          <p:cNvPr id="2" name="Título 1">
-            <a:extLst>
-              <a:ext uri="{FF2B5EF4-FFF2-40B4-BE49-F238E27FC236}">
-                <a16:creationId xmlns:a16="http://schemas.microsoft.com/office/drawing/2014/main" id="{1C68AFF8-CF83-407A-85B0-25797B2203C5}"/>
-              </a:ext>
-            </a:extLst>
-          </p:cNvPr>
+          <p:cNvPr id="2" name="Título 1"/>
           <p:cNvSpPr>
             <a:spLocks noGrp="1"/>
           </p:cNvSpPr>
@@ -7109,92 +7298,53 @@
           <a:lstStyle/>
           <a:p>
             <a:r>
-              <a:rPr lang="pt-BR" b="1" dirty="0">
+              <a:rPr lang="pt-BR" dirty="0"/>
+              <a:t>Requisitos não Funcional</a:t>
+            </a:r>
+          </a:p>
+        </p:txBody>
+      </p:sp>
+      <p:sp>
+        <p:nvSpPr>
+          <p:cNvPr id="3" name="Espaço Reservado para Conteúdo 2"/>
+          <p:cNvSpPr>
+            <a:spLocks noGrp="1"/>
+          </p:cNvSpPr>
+          <p:nvPr>
+            <p:ph idx="1"/>
+          </p:nvPr>
+        </p:nvSpPr>
+        <p:spPr/>
+        <p:txBody>
+          <a:bodyPr/>
+          <a:lstStyle/>
+          <a:p>
+            <a:r>
+              <a:rPr lang="pt-BR" dirty="0" smtClean="0">
+                <a:solidFill>
+                  <a:schemeClr val="tx1"/>
+                </a:solidFill>
                 <a:latin typeface="Arial" panose="020B0604020202020204" pitchFamily="34" charset="0"/>
                 <a:cs typeface="Arial" panose="020B0604020202020204" pitchFamily="34" charset="0"/>
               </a:rPr>
-              <a:t>Requisitos Funcionais</a:t>
-            </a:r>
-            <a:endParaRPr lang="pt-BR" dirty="0"/>
-          </a:p>
-        </p:txBody>
-      </p:sp>
-      <p:sp>
-        <p:nvSpPr>
-          <p:cNvPr id="3" name="Espaço Reservado para Conteúdo 2">
-            <a:extLst>
-              <a:ext uri="{FF2B5EF4-FFF2-40B4-BE49-F238E27FC236}">
-                <a16:creationId xmlns:a16="http://schemas.microsoft.com/office/drawing/2014/main" id="{D0CF8EBF-9364-4BBD-AD6E-D24EA289F1C0}"/>
-              </a:ext>
-            </a:extLst>
-          </p:cNvPr>
-          <p:cNvSpPr>
-            <a:spLocks noGrp="1"/>
-          </p:cNvSpPr>
-          <p:nvPr>
-            <p:ph idx="1"/>
-          </p:nvPr>
-        </p:nvSpPr>
-        <p:spPr/>
-        <p:txBody>
-          <a:bodyPr/>
-          <a:lstStyle/>
-          <a:p>
-            <a:r>
-              <a:rPr lang="pt-BR" b="1" dirty="0">
-                <a:solidFill>
-                  <a:schemeClr val="tx1"/>
-                </a:solidFill>
-                <a:latin typeface="Arial" panose="020B0604020202020204" pitchFamily="34" charset="0"/>
-                <a:cs typeface="Arial" panose="020B0604020202020204" pitchFamily="34" charset="0"/>
-              </a:rPr>
-              <a:t>Controle de compra e venda:</a:t>
-            </a:r>
-          </a:p>
-          <a:p>
-            <a:pPr marL="0" lvl="0" indent="0">
+              <a:t>RNF002</a:t>
+            </a:r>
+            <a:r>
+              <a:rPr lang="pt-BR" dirty="0" smtClean="0"/>
+              <a:t>:</a:t>
+            </a:r>
+          </a:p>
+          <a:p>
+            <a:pPr marL="0" indent="0">
               <a:buNone/>
             </a:pPr>
-            <a:r>
-              <a:rPr lang="pt-BR" sz="1600" dirty="0">
-                <a:solidFill>
-                  <a:schemeClr val="tx1"/>
-                </a:solidFill>
-                <a:latin typeface="Arial" panose="020B0604020202020204" pitchFamily="34" charset="0"/>
-                <a:cs typeface="Arial" panose="020B0604020202020204" pitchFamily="34" charset="0"/>
-              </a:rPr>
-              <a:t>Nesse modulo, na página principal teremos um resumo das últimas transações e o usuário poderá selecionar para cadastrar nova operação (compra ou venda), localizar, editar e excluir transações. Também poderá solicitar relatórios especificados por tempo ou tipo. Apenas o usuário master poderá excluir um registro.</a:t>
-            </a:r>
-          </a:p>
-          <a:p>
-            <a:pPr marL="0" lvl="0" indent="0">
+            <a:endParaRPr lang="pt-BR" sz="1600" dirty="0" smtClean="0"/>
+          </a:p>
+          <a:p>
+            <a:pPr marL="0" indent="0">
               <a:buNone/>
             </a:pPr>
-            <a:r>
-              <a:rPr lang="pt-BR" sz="1600" dirty="0">
-                <a:solidFill>
-                  <a:schemeClr val="tx1"/>
-                </a:solidFill>
-                <a:latin typeface="Arial" panose="020B0604020202020204" pitchFamily="34" charset="0"/>
-                <a:cs typeface="Arial" panose="020B0604020202020204" pitchFamily="34" charset="0"/>
-              </a:rPr>
-              <a:t>Terá que ter uma tela de compra gado que vai conter alguns campos como número da nota fiscal, natureza da operação, quantidade, valor unitário e valor total.</a:t>
-            </a:r>
-          </a:p>
-          <a:p>
-            <a:pPr marL="0" lvl="0" indent="0">
-              <a:buNone/>
-            </a:pPr>
-            <a:r>
-              <a:rPr lang="pt-BR" sz="1600" dirty="0">
-                <a:solidFill>
-                  <a:schemeClr val="tx1"/>
-                </a:solidFill>
-                <a:latin typeface="Arial" panose="020B0604020202020204" pitchFamily="34" charset="0"/>
-                <a:cs typeface="Arial" panose="020B0604020202020204" pitchFamily="34" charset="0"/>
-              </a:rPr>
-              <a:t>Terá que ter uma tela para venda de gado que vai conter alguns campos como número da nota fiscal, natureza da operação, quantidade, valor unitário e valor total.</a:t>
-            </a:r>
+            <a:endParaRPr lang="pt-BR" dirty="0" smtClean="0"/>
           </a:p>
           <a:p>
             <a:endParaRPr lang="pt-BR" dirty="0"/>
@@ -7204,7 +7354,7 @@
     </p:spTree>
     <p:extLst>
       <p:ext uri="{BB962C8B-B14F-4D97-AF65-F5344CB8AC3E}">
-        <p14:creationId xmlns:p14="http://schemas.microsoft.com/office/powerpoint/2010/main" val="1218759884"/>
+        <p14:creationId xmlns:p14="http://schemas.microsoft.com/office/powerpoint/2010/main" val="289546038"/>
       </p:ext>
     </p:extLst>
   </p:cSld>
